--- a/assets/lectures/cshl/2023/mini/RNASeq_MiniLecture_03_02_HTSEQ.pptx
+++ b/assets/lectures/cshl/2023/mini/RNASeq_MiniLecture_03_02_HTSEQ.pptx
@@ -11,7 +11,7 @@
     <p:sldId id="517" r:id="rId2"/>
     <p:sldId id="526" r:id="rId3"/>
     <p:sldId id="527" r:id="rId4"/>
-    <p:sldId id="260" r:id="rId5"/>
+    <p:sldId id="528" r:id="rId5"/>
   </p:sldIdLst>
   <p:sldSz cx="12192000" cy="6858000"/>
   <p:notesSz cx="6858000" cy="9144000"/>
@@ -200,7 +200,7 @@
           <a:p>
             <a:fld id="{827BD9F9-8452-A342-BB1B-28ECF19E2CC5}" type="datetimeFigureOut">
               <a:rPr lang="en-US" smtClean="0"/>
-              <a:t>11/5/23</a:t>
+              <a:t>11/13/23</a:t>
             </a:fld>
             <a:endParaRPr lang="en-US"/>
           </a:p>
@@ -2620,181 +2620,6 @@
               <a:defRPr/>
             </a:pPr>
             <a:endParaRPr lang="en-US" sz="1350"/>
-          </a:p>
-        </p:txBody>
-      </p:sp>
-      <p:sp>
-        <p:nvSpPr>
-          <p:cNvPr id="9" name="TextBox 8">
-            <a:extLst>
-              <a:ext uri="{FF2B5EF4-FFF2-40B4-BE49-F238E27FC236}">
-                <a16:creationId xmlns:a16="http://schemas.microsoft.com/office/drawing/2014/main" id="{3E245822-ADFF-4540-9BD4-E4A28AC54380}"/>
-              </a:ext>
-            </a:extLst>
-          </p:cNvPr>
-          <p:cNvSpPr txBox="1">
-            <a:spLocks noChangeArrowheads="1"/>
-          </p:cNvSpPr>
-          <p:nvPr userDrawn="1"/>
-        </p:nvSpPr>
-        <p:spPr bwMode="auto">
-          <a:xfrm>
-            <a:off x="111760" y="6447904"/>
-            <a:ext cx="2521392" cy="369332"/>
-          </a:xfrm>
-          <a:prstGeom prst="rect">
-            <a:avLst/>
-          </a:prstGeom>
-          <a:noFill/>
-          <a:ln>
-            <a:noFill/>
-          </a:ln>
-          <a:extLst>
-            <a:ext uri="{909E8E84-426E-40dd-AFC4-6F175D3DCCD1}">
-              <a14:hiddenFill xmlns="" xmlns:a14="http://schemas.microsoft.com/office/drawing/2010/main">
-                <a:solidFill>
-                  <a:srgbClr val="FFFFFF"/>
-                </a:solidFill>
-              </a14:hiddenFill>
-            </a:ext>
-            <a:ext uri="{91240B29-F687-4f45-9708-019B960494DF}">
-              <a14:hiddenLine xmlns="" xmlns:a14="http://schemas.microsoft.com/office/drawing/2010/main" w="9525">
-                <a:solidFill>
-                  <a:srgbClr val="000000"/>
-                </a:solidFill>
-                <a:miter lim="800000"/>
-                <a:headEnd/>
-                <a:tailEnd/>
-              </a14:hiddenLine>
-            </a:ext>
-          </a:extLst>
-        </p:spPr>
-        <p:txBody>
-          <a:bodyPr wrap="square">
-            <a:spAutoFit/>
-          </a:bodyPr>
-          <a:lstStyle>
-            <a:lvl1pPr eaLnBrk="0" hangingPunct="0">
-              <a:defRPr sz="2400">
-                <a:solidFill>
-                  <a:schemeClr val="tx1"/>
-                </a:solidFill>
-                <a:latin typeface="Arial" charset="0"/>
-                <a:ea typeface="ＭＳ Ｐゴシック" charset="0"/>
-                <a:cs typeface="ＭＳ Ｐゴシック" charset="0"/>
-              </a:defRPr>
-            </a:lvl1pPr>
-            <a:lvl2pPr marL="742950" indent="-285750" eaLnBrk="0" hangingPunct="0">
-              <a:defRPr sz="2400">
-                <a:solidFill>
-                  <a:schemeClr val="tx1"/>
-                </a:solidFill>
-                <a:latin typeface="Arial" charset="0"/>
-                <a:ea typeface="ＭＳ Ｐゴシック" charset="0"/>
-              </a:defRPr>
-            </a:lvl2pPr>
-            <a:lvl3pPr marL="1143000" indent="-228600" eaLnBrk="0" hangingPunct="0">
-              <a:defRPr sz="2400">
-                <a:solidFill>
-                  <a:schemeClr val="tx1"/>
-                </a:solidFill>
-                <a:latin typeface="Arial" charset="0"/>
-                <a:ea typeface="ＭＳ Ｐゴシック" charset="0"/>
-              </a:defRPr>
-            </a:lvl3pPr>
-            <a:lvl4pPr marL="1600200" indent="-228600" eaLnBrk="0" hangingPunct="0">
-              <a:defRPr sz="2400">
-                <a:solidFill>
-                  <a:schemeClr val="tx1"/>
-                </a:solidFill>
-                <a:latin typeface="Arial" charset="0"/>
-                <a:ea typeface="ＭＳ Ｐゴシック" charset="0"/>
-              </a:defRPr>
-            </a:lvl4pPr>
-            <a:lvl5pPr marL="2057400" indent="-228600" eaLnBrk="0" hangingPunct="0">
-              <a:defRPr sz="2400">
-                <a:solidFill>
-                  <a:schemeClr val="tx1"/>
-                </a:solidFill>
-                <a:latin typeface="Arial" charset="0"/>
-                <a:ea typeface="ＭＳ Ｐゴシック" charset="0"/>
-              </a:defRPr>
-            </a:lvl5pPr>
-            <a:lvl6pPr marL="2514600" indent="-228600" eaLnBrk="0" fontAlgn="base" hangingPunct="0">
-              <a:spcBef>
-                <a:spcPct val="0"/>
-              </a:spcBef>
-              <a:spcAft>
-                <a:spcPct val="0"/>
-              </a:spcAft>
-              <a:defRPr sz="2400">
-                <a:solidFill>
-                  <a:schemeClr val="tx1"/>
-                </a:solidFill>
-                <a:latin typeface="Arial" charset="0"/>
-                <a:ea typeface="ＭＳ Ｐゴシック" charset="0"/>
-              </a:defRPr>
-            </a:lvl6pPr>
-            <a:lvl7pPr marL="2971800" indent="-228600" eaLnBrk="0" fontAlgn="base" hangingPunct="0">
-              <a:spcBef>
-                <a:spcPct val="0"/>
-              </a:spcBef>
-              <a:spcAft>
-                <a:spcPct val="0"/>
-              </a:spcAft>
-              <a:defRPr sz="2400">
-                <a:solidFill>
-                  <a:schemeClr val="tx1"/>
-                </a:solidFill>
-                <a:latin typeface="Arial" charset="0"/>
-                <a:ea typeface="ＭＳ Ｐゴシック" charset="0"/>
-              </a:defRPr>
-            </a:lvl7pPr>
-            <a:lvl8pPr marL="3429000" indent="-228600" eaLnBrk="0" fontAlgn="base" hangingPunct="0">
-              <a:spcBef>
-                <a:spcPct val="0"/>
-              </a:spcBef>
-              <a:spcAft>
-                <a:spcPct val="0"/>
-              </a:spcAft>
-              <a:defRPr sz="2400">
-                <a:solidFill>
-                  <a:schemeClr val="tx1"/>
-                </a:solidFill>
-                <a:latin typeface="Arial" charset="0"/>
-                <a:ea typeface="ＭＳ Ｐゴシック" charset="0"/>
-              </a:defRPr>
-            </a:lvl8pPr>
-            <a:lvl9pPr marL="3886200" indent="-228600" eaLnBrk="0" fontAlgn="base" hangingPunct="0">
-              <a:spcBef>
-                <a:spcPct val="0"/>
-              </a:spcBef>
-              <a:spcAft>
-                <a:spcPct val="0"/>
-              </a:spcAft>
-              <a:defRPr sz="2400">
-                <a:solidFill>
-                  <a:schemeClr val="tx1"/>
-                </a:solidFill>
-                <a:latin typeface="Arial" charset="0"/>
-                <a:ea typeface="ＭＳ Ｐゴシック" charset="0"/>
-              </a:defRPr>
-            </a:lvl9pPr>
-          </a:lstStyle>
-          <a:p>
-            <a:pPr eaLnBrk="1" hangingPunct="1">
-              <a:defRPr/>
-            </a:pPr>
-            <a:r>
-              <a:rPr lang="en-US" sz="1800" b="1" dirty="0">
-                <a:solidFill>
-                  <a:schemeClr val="bg1"/>
-                </a:solidFill>
-                <a:latin typeface="Calibri" charset="0"/>
-                <a:cs typeface="Calibri" charset="0"/>
-              </a:rPr>
-              <a:t>Module 1 </a:t>
-            </a:r>
           </a:p>
         </p:txBody>
       </p:sp>
@@ -3538,14 +3363,14 @@
           </a:ln>
           <a:extLst>
             <a:ext uri="{909E8E84-426E-40dd-AFC4-6F175D3DCCD1}">
-              <a14:hiddenFill xmlns:a14="http://schemas.microsoft.com/office/drawing/2010/main" xmlns="">
+              <a14:hiddenFill xmlns="" xmlns:a14="http://schemas.microsoft.com/office/drawing/2010/main">
                 <a:solidFill>
                   <a:srgbClr val="FFFFFF"/>
                 </a:solidFill>
               </a14:hiddenFill>
             </a:ext>
             <a:ext uri="{91240B29-F687-4f45-9708-019B960494DF}">
-              <a14:hiddenLine xmlns:a14="http://schemas.microsoft.com/office/drawing/2010/main" xmlns="" w="9525">
+              <a14:hiddenLine xmlns="" xmlns:a14="http://schemas.microsoft.com/office/drawing/2010/main" w="9525">
                 <a:solidFill>
                   <a:srgbClr val="000000"/>
                 </a:solidFill>
@@ -4498,7 +4323,7 @@
     </p:spTree>
     <p:extLst>
       <p:ext uri="{BB962C8B-B14F-4D97-AF65-F5344CB8AC3E}">
-        <p14:creationId xmlns:p14="http://schemas.microsoft.com/office/powerpoint/2010/main" val="3238349181"/>
+        <p14:creationId xmlns:p14="http://schemas.microsoft.com/office/powerpoint/2010/main" val="338703495"/>
       </p:ext>
     </p:extLst>
   </p:cSld>
@@ -4763,7 +4588,7 @@
   <a:extraClrSchemeLst/>
   <a:extLst>
     <a:ext uri="{05A4C25C-085E-4340-85A3-A5531E510DB2}">
-      <thm15:themeFamily xmlns:thm15="http://schemas.microsoft.com/office/thememl/2012/main" name="Presentation3" id="{BCBDB91A-9B26-824C-84F1-38A40AE60A56}" vid="{D4184701-6EB9-C840-884B-4BABDB359DA6}"/>
+      <thm15:themeFamily xmlns:thm15="http://schemas.microsoft.com/office/thememl/2012/main" name="Presentation3" id="{6FC4E7CA-796F-DC46-8477-EB1B03D9751B}" vid="{7600C917-09B9-FA45-B59E-E0879212E2B1}"/>
     </a:ext>
   </a:extLst>
 </a:theme>

--- a/assets/lectures/cshl/2023/mini/RNASeq_MiniLecture_03_02_HTSEQ.pptx
+++ b/assets/lectures/cshl/2023/mini/RNASeq_MiniLecture_03_02_HTSEQ.pptx
@@ -9,9 +9,9 @@
   </p:notesMasterIdLst>
   <p:sldIdLst>
     <p:sldId id="517" r:id="rId2"/>
-    <p:sldId id="526" r:id="rId3"/>
-    <p:sldId id="527" r:id="rId4"/>
-    <p:sldId id="528" r:id="rId5"/>
+    <p:sldId id="529" r:id="rId3"/>
+    <p:sldId id="530" r:id="rId4"/>
+    <p:sldId id="541" r:id="rId5"/>
   </p:sldIdLst>
   <p:sldSz cx="12192000" cy="6858000"/>
   <p:notesSz cx="6858000" cy="9144000"/>
@@ -200,7 +200,7 @@
           <a:p>
             <a:fld id="{827BD9F9-8452-A342-BB1B-28ECF19E2CC5}" type="datetimeFigureOut">
               <a:rPr lang="en-US" smtClean="0"/>
-              <a:t>11/13/23</a:t>
+              <a:t>11/15/23</a:t>
             </a:fld>
             <a:endParaRPr lang="en-US"/>
           </a:p>
@@ -541,7 +541,7 @@
     </p:spTree>
     <p:extLst>
       <p:ext uri="{BB962C8B-B14F-4D97-AF65-F5344CB8AC3E}">
-        <p14:creationId xmlns:p14="http://schemas.microsoft.com/office/powerpoint/2010/main" val="1725041128"/>
+        <p14:creationId xmlns:p14="http://schemas.microsoft.com/office/powerpoint/2010/main" val="300058873"/>
       </p:ext>
     </p:extLst>
   </p:cSld>
@@ -639,7 +639,7 @@
     </p:spTree>
     <p:extLst>
       <p:ext uri="{BB962C8B-B14F-4D97-AF65-F5344CB8AC3E}">
-        <p14:creationId xmlns:p14="http://schemas.microsoft.com/office/powerpoint/2010/main" val="3467705518"/>
+        <p14:creationId xmlns:p14="http://schemas.microsoft.com/office/powerpoint/2010/main" val="3914753944"/>
       </p:ext>
     </p:extLst>
   </p:cSld>
@@ -1033,14 +1033,14 @@
           </a:ln>
           <a:extLst>
             <a:ext uri="{909E8E84-426E-40dd-AFC4-6F175D3DCCD1}">
-              <a14:hiddenFill xmlns:a14="http://schemas.microsoft.com/office/drawing/2010/main" xmlns="">
+              <a14:hiddenFill xmlns="" xmlns:a14="http://schemas.microsoft.com/office/drawing/2010/main">
                 <a:solidFill>
                   <a:srgbClr val="FFFFFF"/>
                 </a:solidFill>
               </a14:hiddenFill>
             </a:ext>
             <a:ext uri="{91240B29-F687-4f45-9708-019B960494DF}">
-              <a14:hiddenLine xmlns:a14="http://schemas.microsoft.com/office/drawing/2010/main" xmlns="" w="9525">
+              <a14:hiddenLine xmlns="" xmlns:a14="http://schemas.microsoft.com/office/drawing/2010/main" w="9525">
                 <a:solidFill>
                   <a:srgbClr val="000000"/>
                 </a:solidFill>
@@ -3160,7 +3160,7 @@
         </p:nvSpPr>
         <p:spPr>
           <a:xfrm>
-            <a:off x="2853130" y="141514"/>
+            <a:off x="2915000" y="141514"/>
             <a:ext cx="9144000" cy="1314188"/>
           </a:xfrm>
           <a:prstGeom prst="rect">
@@ -3200,7 +3200,7 @@
                 <a:latin typeface="Calibri" charset="0"/>
                 <a:cs typeface="Segoe UI" charset="0"/>
               </a:rPr>
-              <a:t>RNA-Seq Module 3:</a:t>
+              <a:t>RNA-Seq Module 3</a:t>
             </a:r>
             <a:br>
               <a:rPr lang="en-US" sz="3200" dirty="0">
@@ -3212,14 +3212,14 @@
               </a:rPr>
             </a:br>
             <a:r>
-              <a:rPr lang="en-US" sz="3200" dirty="0" err="1">
+              <a:rPr lang="en-US" sz="3200" dirty="0">
                 <a:solidFill>
                   <a:schemeClr val="bg1"/>
                 </a:solidFill>
                 <a:latin typeface="Calibri" charset="0"/>
                 <a:cs typeface="Segoe UI" charset="0"/>
               </a:rPr>
-              <a:t>HTSeq</a:t>
+              <a:t>Abundance Estimation and Differential Expression</a:t>
             </a:r>
             <a:endParaRPr lang="en-US" sz="2800" b="1" dirty="0">
               <a:solidFill>
@@ -3233,10 +3233,10 @@
       </p:sp>
       <p:sp>
         <p:nvSpPr>
-          <p:cNvPr id="19" name="Rectangle 18">
+          <p:cNvPr id="16" name="Rectangle 15">
             <a:extLst>
               <a:ext uri="{FF2B5EF4-FFF2-40B4-BE49-F238E27FC236}">
-                <a16:creationId xmlns:a16="http://schemas.microsoft.com/office/drawing/2014/main" id="{4F21EB57-56D9-4C45-A4BB-3A4C1B95468E}"/>
+                <a16:creationId xmlns:a16="http://schemas.microsoft.com/office/drawing/2014/main" id="{1FAB5ADE-E513-DF42-86C4-3D6C4B6F0DE7}"/>
               </a:ext>
             </a:extLst>
           </p:cNvPr>
@@ -3294,10 +3294,10 @@
       </p:sp>
       <p:pic>
         <p:nvPicPr>
-          <p:cNvPr id="20" name="Picture 19">
+          <p:cNvPr id="17" name="Picture 16">
             <a:extLst>
               <a:ext uri="{FF2B5EF4-FFF2-40B4-BE49-F238E27FC236}">
-                <a16:creationId xmlns:a16="http://schemas.microsoft.com/office/drawing/2014/main" id="{A892CA70-E51B-BC44-AAFA-B2A13B966F24}"/>
+                <a16:creationId xmlns:a16="http://schemas.microsoft.com/office/drawing/2014/main" id="{D81B4EC5-2163-754F-BB45-0B4F307C560A}"/>
               </a:ext>
             </a:extLst>
           </p:cNvPr>
@@ -3324,10 +3324,10 @@
       </p:pic>
       <p:pic>
         <p:nvPicPr>
-          <p:cNvPr id="21" name="Picture 1" descr="RNA-Seq-alignment.png">
+          <p:cNvPr id="18" name="Picture 1" descr="RNA-Seq-alignment.png">
             <a:extLst>
               <a:ext uri="{FF2B5EF4-FFF2-40B4-BE49-F238E27FC236}">
-                <a16:creationId xmlns:a16="http://schemas.microsoft.com/office/drawing/2014/main" id="{6024E101-E6E3-1C4D-BB4A-668B47D63225}"/>
+                <a16:creationId xmlns:a16="http://schemas.microsoft.com/office/drawing/2014/main" id="{79365D22-94FE-2F45-A8C0-C3DC697DAA15}"/>
               </a:ext>
             </a:extLst>
           </p:cNvPr>
@@ -3363,14 +3363,14 @@
           </a:ln>
           <a:extLst>
             <a:ext uri="{909E8E84-426E-40dd-AFC4-6F175D3DCCD1}">
-              <a14:hiddenFill xmlns="" xmlns:a14="http://schemas.microsoft.com/office/drawing/2010/main">
+              <a14:hiddenFill xmlns:a14="http://schemas.microsoft.com/office/drawing/2010/main" xmlns="">
                 <a:solidFill>
                   <a:srgbClr val="FFFFFF"/>
                 </a:solidFill>
               </a14:hiddenFill>
             </a:ext>
             <a:ext uri="{91240B29-F687-4f45-9708-019B960494DF}">
-              <a14:hiddenLine xmlns="" xmlns:a14="http://schemas.microsoft.com/office/drawing/2010/main" w="9525">
+              <a14:hiddenLine xmlns:a14="http://schemas.microsoft.com/office/drawing/2010/main" xmlns="" w="9525">
                 <a:solidFill>
                   <a:srgbClr val="000000"/>
                 </a:solidFill>
@@ -3384,10 +3384,10 @@
       </p:pic>
       <p:pic>
         <p:nvPicPr>
-          <p:cNvPr id="22" name="Picture 21">
+          <p:cNvPr id="19" name="Picture 18">
             <a:extLst>
               <a:ext uri="{FF2B5EF4-FFF2-40B4-BE49-F238E27FC236}">
-                <a16:creationId xmlns:a16="http://schemas.microsoft.com/office/drawing/2014/main" id="{FA9D6EF4-CDEB-334C-922E-967F3A600095}"/>
+                <a16:creationId xmlns:a16="http://schemas.microsoft.com/office/drawing/2014/main" id="{8915FD68-F5E0-B64F-B423-ADB72752E617}"/>
               </a:ext>
             </a:extLst>
           </p:cNvPr>
@@ -3423,7 +3423,7 @@
           <p:cNvPr id="2" name="Title 1">
             <a:extLst>
               <a:ext uri="{FF2B5EF4-FFF2-40B4-BE49-F238E27FC236}">
-                <a16:creationId xmlns:a16="http://schemas.microsoft.com/office/drawing/2014/main" id="{6301EC21-20A4-A4B3-7674-E7D9D47D3BB5}"/>
+                <a16:creationId xmlns:a16="http://schemas.microsoft.com/office/drawing/2014/main" id="{01DCA378-C29B-3738-04D8-13D153CED6A5}"/>
               </a:ext>
             </a:extLst>
           </p:cNvPr>
@@ -3529,7 +3529,7 @@
     </p:spTree>
     <p:extLst>
       <p:ext uri="{BB962C8B-B14F-4D97-AF65-F5344CB8AC3E}">
-        <p14:creationId xmlns:p14="http://schemas.microsoft.com/office/powerpoint/2010/main" val="672732661"/>
+        <p14:creationId xmlns:p14="http://schemas.microsoft.com/office/powerpoint/2010/main" val="280293562"/>
       </p:ext>
     </p:extLst>
   </p:cSld>
@@ -3907,7 +3907,7 @@
     </p:spTree>
     <p:extLst>
       <p:ext uri="{BB962C8B-B14F-4D97-AF65-F5344CB8AC3E}">
-        <p14:creationId xmlns:p14="http://schemas.microsoft.com/office/powerpoint/2010/main" val="650399983"/>
+        <p14:creationId xmlns:p14="http://schemas.microsoft.com/office/powerpoint/2010/main" val="226943803"/>
       </p:ext>
     </p:extLst>
   </p:cSld>
@@ -4134,7 +4134,7 @@
     </p:spTree>
     <p:extLst>
       <p:ext uri="{BB962C8B-B14F-4D97-AF65-F5344CB8AC3E}">
-        <p14:creationId xmlns:p14="http://schemas.microsoft.com/office/powerpoint/2010/main" val="1097477388"/>
+        <p14:creationId xmlns:p14="http://schemas.microsoft.com/office/powerpoint/2010/main" val="1511723003"/>
       </p:ext>
     </p:extLst>
   </p:cSld>
@@ -4323,7 +4323,7 @@
     </p:spTree>
     <p:extLst>
       <p:ext uri="{BB962C8B-B14F-4D97-AF65-F5344CB8AC3E}">
-        <p14:creationId xmlns:p14="http://schemas.microsoft.com/office/powerpoint/2010/main" val="338703495"/>
+        <p14:creationId xmlns:p14="http://schemas.microsoft.com/office/powerpoint/2010/main" val="2229392979"/>
       </p:ext>
     </p:extLst>
   </p:cSld>
